--- a/slides.pptx
+++ b/slides.pptx
@@ -6,10 +6,10 @@
     <p:sldMasterId id="2147483728" r:id="rId5"/>
   </p:sldMasterIdLst>
   <p:notesMasterIdLst>
-    <p:notesMasterId r:id="rId18"/>
+    <p:notesMasterId r:id="rId19"/>
   </p:notesMasterIdLst>
   <p:handoutMasterIdLst>
-    <p:handoutMasterId r:id="rId19"/>
+    <p:handoutMasterId r:id="rId20"/>
   </p:handoutMasterIdLst>
   <p:sldIdLst>
     <p:sldId id="256" r:id="rId6"/>
@@ -19,11 +19,12 @@
     <p:sldId id="653" r:id="rId10"/>
     <p:sldId id="656" r:id="rId11"/>
     <p:sldId id="657" r:id="rId12"/>
-    <p:sldId id="658" r:id="rId13"/>
-    <p:sldId id="662" r:id="rId14"/>
-    <p:sldId id="660" r:id="rId15"/>
-    <p:sldId id="659" r:id="rId16"/>
-    <p:sldId id="661" r:id="rId17"/>
+    <p:sldId id="664" r:id="rId13"/>
+    <p:sldId id="658" r:id="rId14"/>
+    <p:sldId id="662" r:id="rId15"/>
+    <p:sldId id="660" r:id="rId16"/>
+    <p:sldId id="659" r:id="rId17"/>
+    <p:sldId id="661" r:id="rId18"/>
   </p:sldIdLst>
   <p:sldSz cx="12192000" cy="6858000"/>
   <p:notesSz cx="6858000" cy="9144000"/>
@@ -1064,7 +1065,7 @@
         <a:p>
           <a:r>
             <a:rPr lang="en-US" dirty="0"/>
-            <a:t>Output tables from R to MS Word or Latex (Overleaf)</a:t>
+            <a:t>Output tables from R or Stata to MS Word/Excel (csv)/Latex (Overleaf)</a:t>
           </a:r>
         </a:p>
       </dgm:t>
@@ -2150,7 +2151,7 @@
           </a:pPr>
           <a:r>
             <a:rPr lang="en-US" sz="1500" kern="1200" dirty="0"/>
-            <a:t>Output tables from R to MS Word or Latex (Overleaf)</a:t>
+            <a:t>Output tables from R or Stata to MS Word/Excel (csv)/Latex (Overleaf)</a:t>
           </a:r>
         </a:p>
       </dsp:txBody>
@@ -3547,7 +3548,7 @@
           <a:p>
             <a:fld id="{6748E1AF-6343-46AA-8AEF-4C12F4118850}" type="datetimeFigureOut">
               <a:rPr lang="en-US" smtClean="0"/>
-              <a:t>8/22/2022</a:t>
+              <a:t>8/22/2023</a:t>
             </a:fld>
             <a:endParaRPr lang="en-US" dirty="0"/>
           </a:p>
@@ -3724,7 +3725,7 @@
           <a:p>
             <a:fld id="{DA9D2517-63AA-420A-887D-BE60360A8F4D}" type="datetimeFigureOut">
               <a:rPr lang="en-US" noProof="0" smtClean="0"/>
-              <a:t>8/22/2022</a:t>
+              <a:t>8/22/2023</a:t>
             </a:fld>
             <a:endParaRPr lang="en-US" noProof="0" dirty="0"/>
           </a:p>
@@ -4149,7 +4150,7 @@
           <a:p>
             <a:fld id="{F5CEFB0D-6DB6-450D-981E-DB5B064ABC8F}" type="datetime1">
               <a:rPr lang="en-US" noProof="0" smtClean="0"/>
-              <a:t>8/22/2022</a:t>
+              <a:t>8/22/2023</a:t>
             </a:fld>
             <a:endParaRPr lang="en-US" noProof="0" dirty="0"/>
           </a:p>
@@ -4767,7 +4768,7 @@
           <a:p>
             <a:fld id="{3AB9C849-F1D8-4230-9F2F-9250D675BB2A}" type="datetime1">
               <a:rPr lang="en-US" noProof="0" smtClean="0"/>
-              <a:t>8/22/2022</a:t>
+              <a:t>8/22/2023</a:t>
             </a:fld>
             <a:endParaRPr lang="en-US" noProof="0" dirty="0"/>
           </a:p>
@@ -5120,7 +5121,7 @@
           <a:p>
             <a:fld id="{F2DB7022-84E8-42F0-8AEA-ADED76AFD446}" type="datetime1">
               <a:rPr lang="en-US" smtClean="0"/>
-              <a:t>8/22/2022</a:t>
+              <a:t>8/22/2023</a:t>
             </a:fld>
             <a:endParaRPr lang="en-US" dirty="0"/>
           </a:p>
@@ -5515,7 +5516,7 @@
           <a:p>
             <a:fld id="{8D4C0741-442A-4788-81DA-4F081D559C5A}" type="datetime1">
               <a:rPr lang="en-US" noProof="0" smtClean="0"/>
-              <a:t>8/22/2022</a:t>
+              <a:t>8/22/2023</a:t>
             </a:fld>
             <a:endParaRPr lang="en-US" noProof="0" dirty="0"/>
           </a:p>
@@ -5991,7 +5992,7 @@
           <a:p>
             <a:fld id="{470BDB9F-6784-464D-8ED7-29E60E2B21A9}" type="datetime1">
               <a:rPr lang="en-US" noProof="0" smtClean="0"/>
-              <a:t>8/22/2022</a:t>
+              <a:t>8/22/2023</a:t>
             </a:fld>
             <a:endParaRPr lang="en-US" noProof="0" dirty="0"/>
           </a:p>
@@ -6375,7 +6376,7 @@
           <a:p>
             <a:fld id="{6DA3ABBD-A00D-4624-9D57-736F5DDBFABC}" type="datetime1">
               <a:rPr lang="en-US" noProof="0" smtClean="0"/>
-              <a:t>8/22/2022</a:t>
+              <a:t>8/22/2023</a:t>
             </a:fld>
             <a:endParaRPr lang="en-US" noProof="0" dirty="0"/>
           </a:p>
@@ -6736,7 +6737,7 @@
           <a:p>
             <a:fld id="{E6BF20AA-C418-460A-B9CF-8F3DD94C436D}" type="datetime1">
               <a:rPr lang="en-US" noProof="0" smtClean="0"/>
-              <a:t>8/22/2022</a:t>
+              <a:t>8/22/2023</a:t>
             </a:fld>
             <a:endParaRPr lang="en-US" noProof="0" dirty="0"/>
           </a:p>
@@ -7223,7 +7224,7 @@
           <a:p>
             <a:fld id="{063F5CE0-F8B8-4EAA-822E-6451047E7D5F}" type="datetime1">
               <a:rPr lang="en-US" noProof="0" smtClean="0"/>
-              <a:t>8/22/2022</a:t>
+              <a:t>8/22/2023</a:t>
             </a:fld>
             <a:endParaRPr lang="en-US" noProof="0" dirty="0"/>
           </a:p>
@@ -7655,7 +7656,7 @@
           <a:p>
             <a:fld id="{21F8AE65-7CE3-49A8-B2CC-A5A64E5730FA}" type="datetime1">
               <a:rPr lang="en-US" noProof="0" smtClean="0"/>
-              <a:t>8/22/2022</a:t>
+              <a:t>8/22/2023</a:t>
             </a:fld>
             <a:endParaRPr lang="en-US" noProof="0" dirty="0"/>
           </a:p>
@@ -8086,7 +8087,7 @@
           <a:p>
             <a:fld id="{B5046700-360D-4474-9946-7580E8968658}" type="datetime1">
               <a:rPr lang="en-US" noProof="0" smtClean="0"/>
-              <a:t>8/22/2022</a:t>
+              <a:t>8/22/2023</a:t>
             </a:fld>
             <a:endParaRPr lang="en-US" noProof="0" dirty="0"/>
           </a:p>
@@ -8339,7 +8340,7 @@
           <a:p>
             <a:fld id="{42F667F3-A942-43B7-9681-6435F4941075}" type="datetime1">
               <a:rPr lang="en-US" smtClean="0"/>
-              <a:t>8/22/2022</a:t>
+              <a:t>8/22/2023</a:t>
             </a:fld>
             <a:endParaRPr lang="en-US" dirty="0"/>
           </a:p>
@@ -8507,7 +8508,7 @@
           <a:p>
             <a:fld id="{666C8650-8C82-4FB0-9266-0148B376A8CE}" type="datetime1">
               <a:rPr lang="en-US" noProof="0" smtClean="0"/>
-              <a:t>8/22/2022</a:t>
+              <a:t>8/22/2023</a:t>
             </a:fld>
             <a:endParaRPr lang="en-US" noProof="0" dirty="0"/>
           </a:p>
@@ -8904,7 +8905,7 @@
           <a:p>
             <a:fld id="{5D576BB9-001A-4B59-8C51-603E71AE3226}" type="datetime1">
               <a:rPr lang="en-US" noProof="0" smtClean="0"/>
-              <a:t>8/22/2022</a:t>
+              <a:t>8/22/2023</a:t>
             </a:fld>
             <a:endParaRPr lang="en-US" noProof="0" dirty="0"/>
           </a:p>
@@ -11703,7 +11704,7 @@
           <a:p>
             <a:fld id="{1529DE01-3159-42E8-9946-B3F7564EBC72}" type="datetime1">
               <a:rPr lang="en-US" smtClean="0"/>
-              <a:t>8/22/2022</a:t>
+              <a:t>8/22/2023</a:t>
             </a:fld>
             <a:endParaRPr lang="en-US" dirty="0"/>
           </a:p>
@@ -12461,7 +12462,7 @@
           <a:p>
             <a:fld id="{1A1FC6A6-F894-471F-8AA4-AE4112290279}" type="datetime1">
               <a:rPr lang="en-US" noProof="0" smtClean="0"/>
-              <a:t>8/22/2022</a:t>
+              <a:t>8/22/2023</a:t>
             </a:fld>
             <a:endParaRPr lang="en-US" noProof="0" dirty="0"/>
           </a:p>
@@ -12915,7 +12916,7 @@
           <a:p>
             <a:fld id="{503D98FD-B63D-46E0-B974-EC5BBAC02E27}" type="datetime1">
               <a:rPr lang="en-US" noProof="0" smtClean="0"/>
-              <a:t>8/22/2022</a:t>
+              <a:t>8/22/2023</a:t>
             </a:fld>
             <a:endParaRPr lang="en-US" noProof="0" dirty="0"/>
           </a:p>
@@ -13492,7 +13493,7 @@
           <a:p>
             <a:fld id="{7E74ECCD-A9BB-4C40-8999-9FDE0B2AF02D}" type="datetime1">
               <a:rPr lang="en-US" smtClean="0"/>
-              <a:t>8/22/2022</a:t>
+              <a:t>8/22/2023</a:t>
             </a:fld>
             <a:endParaRPr lang="en-US" dirty="0"/>
           </a:p>
@@ -13892,7 +13893,7 @@
           <a:p>
             <a:fld id="{B9A11315-80A2-4A6F-99BC-2337EDBA509A}" type="datetime1">
               <a:rPr lang="en-US" smtClean="0"/>
-              <a:t>8/22/2022</a:t>
+              <a:t>8/22/2023</a:t>
             </a:fld>
             <a:endParaRPr lang="en-US" dirty="0"/>
           </a:p>
@@ -14031,7 +14032,7 @@
           <a:p>
             <a:fld id="{5323FCEE-D38D-4315-8661-B8B16CE6B114}" type="datetime1">
               <a:rPr lang="en-US" smtClean="0"/>
-              <a:t>8/22/2022</a:t>
+              <a:t>8/22/2023</a:t>
             </a:fld>
             <a:endParaRPr lang="en-US" dirty="0"/>
           </a:p>
@@ -14158,7 +14159,7 @@
           <a:p>
             <a:fld id="{27909053-E1DD-4959-BC7A-C98D3D2614DC}" type="datetime1">
               <a:rPr lang="en-US" noProof="0" smtClean="0"/>
-              <a:t>8/22/2022</a:t>
+              <a:t>8/22/2023</a:t>
             </a:fld>
             <a:endParaRPr lang="en-US" noProof="0" dirty="0"/>
           </a:p>
@@ -14408,7 +14409,7 @@
           <a:p>
             <a:fld id="{010F8E8D-DF54-49BE-BDBC-401B280C4E3C}" type="datetime1">
               <a:rPr lang="en-US" noProof="0" smtClean="0"/>
-              <a:t>8/22/2022</a:t>
+              <a:t>8/22/2023</a:t>
             </a:fld>
             <a:endParaRPr lang="en-US" noProof="0" dirty="0"/>
           </a:p>
@@ -15669,7 +15670,7 @@
           <a:p>
             <a:r>
               <a:rPr lang="en-US" dirty="0"/>
-              <a:t>2022 R Coding workshop</a:t>
+              <a:t>Example Coding PROJECT</a:t>
             </a:r>
           </a:p>
         </p:txBody>
@@ -15748,6 +15749,199 @@
           <p:cNvPr id="2" name="Title 1">
             <a:extLst>
               <a:ext uri="{FF2B5EF4-FFF2-40B4-BE49-F238E27FC236}">
+                <a16:creationId xmlns:a16="http://schemas.microsoft.com/office/drawing/2014/main" id="{5DDFE902-1A5D-FC9D-8128-2DACEA9F1850}"/>
+              </a:ext>
+            </a:extLst>
+          </p:cNvPr>
+          <p:cNvSpPr>
+            <a:spLocks noGrp="1"/>
+          </p:cNvSpPr>
+          <p:nvPr>
+            <p:ph type="title"/>
+          </p:nvPr>
+        </p:nvSpPr>
+        <p:spPr/>
+        <p:txBody>
+          <a:bodyPr/>
+          <a:lstStyle/>
+          <a:p>
+            <a:r>
+              <a:rPr lang="en-US" dirty="0"/>
+              <a:t>Advanced Rabbit Holes</a:t>
+            </a:r>
+          </a:p>
+        </p:txBody>
+      </p:sp>
+      <p:pic>
+        <p:nvPicPr>
+          <p:cNvPr id="7170" name="Picture 2" descr="apply lapply rapply sapply functions in R | R-bloggers">
+            <a:extLst>
+              <a:ext uri="{FF2B5EF4-FFF2-40B4-BE49-F238E27FC236}">
+                <a16:creationId xmlns:a16="http://schemas.microsoft.com/office/drawing/2014/main" id="{26BE7F57-F2E4-BB62-48E8-C1292F9EB8BF}"/>
+              </a:ext>
+            </a:extLst>
+          </p:cNvPr>
+          <p:cNvPicPr>
+            <a:picLocks noChangeAspect="1" noChangeArrowheads="1"/>
+          </p:cNvPicPr>
+          <p:nvPr/>
+        </p:nvPicPr>
+        <p:blipFill>
+          <a:blip r:embed="rId2">
+            <a:extLst>
+              <a:ext uri="{28A0092B-C50C-407E-A947-70E740481C1C}">
+                <a14:useLocalDpi xmlns:a14="http://schemas.microsoft.com/office/drawing/2010/main" val="0"/>
+              </a:ext>
+            </a:extLst>
+          </a:blip>
+          <a:srcRect/>
+          <a:stretch>
+            <a:fillRect/>
+          </a:stretch>
+        </p:blipFill>
+        <p:spPr bwMode="auto">
+          <a:xfrm>
+            <a:off x="1822450" y="2049463"/>
+            <a:ext cx="3048000" cy="2581275"/>
+          </a:xfrm>
+          <a:prstGeom prst="rect">
+            <a:avLst/>
+          </a:prstGeom>
+          <a:noFill/>
+          <a:extLst>
+            <a:ext uri="{909E8E84-426E-40DD-AFC4-6F175D3DCCD1}">
+              <a14:hiddenFill xmlns:a14="http://schemas.microsoft.com/office/drawing/2010/main">
+                <a:solidFill>
+                  <a:srgbClr val="FFFFFF"/>
+                </a:solidFill>
+              </a14:hiddenFill>
+            </a:ext>
+          </a:extLst>
+        </p:spPr>
+      </p:pic>
+      <p:sp>
+        <p:nvSpPr>
+          <p:cNvPr id="5" name="TextBox 4">
+            <a:extLst>
+              <a:ext uri="{FF2B5EF4-FFF2-40B4-BE49-F238E27FC236}">
+                <a16:creationId xmlns:a16="http://schemas.microsoft.com/office/drawing/2014/main" id="{E0D11735-F181-3276-1DB9-75A62EC87835}"/>
+              </a:ext>
+            </a:extLst>
+          </p:cNvPr>
+          <p:cNvSpPr txBox="1"/>
+          <p:nvPr/>
+        </p:nvSpPr>
+        <p:spPr>
+          <a:xfrm>
+            <a:off x="1346200" y="5473184"/>
+            <a:ext cx="6096000" cy="646331"/>
+          </a:xfrm>
+          <a:prstGeom prst="rect">
+            <a:avLst/>
+          </a:prstGeom>
+          <a:noFill/>
+        </p:spPr>
+        <p:txBody>
+          <a:bodyPr wrap="square">
+            <a:spAutoFit/>
+          </a:bodyPr>
+          <a:lstStyle/>
+          <a:p>
+            <a:r>
+              <a:rPr lang="en-US" dirty="0">
+                <a:hlinkClick r:id="rId3"/>
+              </a:rPr>
+              <a:t>http://adv-r.had.co.nz/Functionals.html</a:t>
+            </a:r>
+            <a:endParaRPr lang="en-US" dirty="0"/>
+          </a:p>
+          <a:p>
+            <a:endParaRPr lang="en-US" dirty="0"/>
+          </a:p>
+        </p:txBody>
+      </p:sp>
+      <p:pic>
+        <p:nvPicPr>
+          <p:cNvPr id="7172" name="Picture 4" descr="purrr - Roshan Talimi">
+            <a:extLst>
+              <a:ext uri="{FF2B5EF4-FFF2-40B4-BE49-F238E27FC236}">
+                <a16:creationId xmlns:a16="http://schemas.microsoft.com/office/drawing/2014/main" id="{A5C13846-E795-81D2-D35C-2C02136F8CF3}"/>
+              </a:ext>
+            </a:extLst>
+          </p:cNvPr>
+          <p:cNvPicPr>
+            <a:picLocks noChangeAspect="1" noChangeArrowheads="1"/>
+          </p:cNvPicPr>
+          <p:nvPr/>
+        </p:nvPicPr>
+        <p:blipFill>
+          <a:blip r:embed="rId4">
+            <a:extLst>
+              <a:ext uri="{28A0092B-C50C-407E-A947-70E740481C1C}">
+                <a14:useLocalDpi xmlns:a14="http://schemas.microsoft.com/office/drawing/2010/main" val="0"/>
+              </a:ext>
+            </a:extLst>
+          </a:blip>
+          <a:srcRect/>
+          <a:stretch>
+            <a:fillRect/>
+          </a:stretch>
+        </p:blipFill>
+        <p:spPr bwMode="auto">
+          <a:xfrm>
+            <a:off x="6921502" y="2017071"/>
+            <a:ext cx="4338638" cy="4554326"/>
+          </a:xfrm>
+          <a:prstGeom prst="rect">
+            <a:avLst/>
+          </a:prstGeom>
+          <a:noFill/>
+          <a:extLst>
+            <a:ext uri="{909E8E84-426E-40DD-AFC4-6F175D3DCCD1}">
+              <a14:hiddenFill xmlns:a14="http://schemas.microsoft.com/office/drawing/2010/main">
+                <a:solidFill>
+                  <a:srgbClr val="FFFFFF"/>
+                </a:solidFill>
+              </a14:hiddenFill>
+            </a:ext>
+          </a:extLst>
+        </p:spPr>
+      </p:pic>
+    </p:spTree>
+    <p:extLst>
+      <p:ext uri="{BB962C8B-B14F-4D97-AF65-F5344CB8AC3E}">
+        <p14:creationId xmlns:p14="http://schemas.microsoft.com/office/powerpoint/2010/main" val="2409486705"/>
+      </p:ext>
+    </p:extLst>
+  </p:cSld>
+  <p:clrMapOvr>
+    <a:masterClrMapping/>
+  </p:clrMapOvr>
+</p:sld>
+</file>
+
+<file path=ppt/slides/slide11.xml><?xml version="1.0" encoding="utf-8"?>
+<p:sld xmlns:a="http://schemas.openxmlformats.org/drawingml/2006/main" xmlns:r="http://schemas.openxmlformats.org/officeDocument/2006/relationships" xmlns:p="http://schemas.openxmlformats.org/presentationml/2006/main">
+  <p:cSld>
+    <p:spTree>
+      <p:nvGrpSpPr>
+        <p:cNvPr id="1" name=""/>
+        <p:cNvGrpSpPr/>
+        <p:nvPr/>
+      </p:nvGrpSpPr>
+      <p:grpSpPr>
+        <a:xfrm>
+          <a:off x="0" y="0"/>
+          <a:ext cx="0" cy="0"/>
+          <a:chOff x="0" y="0"/>
+          <a:chExt cx="0" cy="0"/>
+        </a:xfrm>
+      </p:grpSpPr>
+      <p:sp>
+        <p:nvSpPr>
+          <p:cNvPr id="2" name="Title 1">
+            <a:extLst>
+              <a:ext uri="{FF2B5EF4-FFF2-40B4-BE49-F238E27FC236}">
                 <a16:creationId xmlns:a16="http://schemas.microsoft.com/office/drawing/2014/main" id="{0BA35192-087A-A155-EAFF-78ACFAD51898}"/>
               </a:ext>
             </a:extLst>
@@ -15864,7 +16058,7 @@
 </p:sld>
 </file>
 
-<file path=ppt/slides/slide11.xml><?xml version="1.0" encoding="utf-8"?>
+<file path=ppt/slides/slide12.xml><?xml version="1.0" encoding="utf-8"?>
 <p:sld xmlns:a="http://schemas.openxmlformats.org/drawingml/2006/main" xmlns:r="http://schemas.openxmlformats.org/officeDocument/2006/relationships" xmlns:p="http://schemas.openxmlformats.org/presentationml/2006/main">
   <p:cSld>
     <p:spTree>
@@ -16072,7 +16266,7 @@
 </p:sld>
 </file>
 
-<file path=ppt/slides/slide12.xml><?xml version="1.0" encoding="utf-8"?>
+<file path=ppt/slides/slide13.xml><?xml version="1.0" encoding="utf-8"?>
 <p:sld xmlns:a="http://schemas.openxmlformats.org/drawingml/2006/main" xmlns:r="http://schemas.openxmlformats.org/officeDocument/2006/relationships" xmlns:p="http://schemas.openxmlformats.org/presentationml/2006/main">
   <p:cSld>
     <p:spTree>
@@ -17285,15 +17479,7 @@
             </a:pPr>
             <a:r>
               <a:rPr lang="en-US" dirty="0"/>
-              <a:t>Smaller </a:t>
-            </a:r>
-            <a:r>
-              <a:rPr lang="en-US" dirty="0" err="1"/>
-              <a:t>BSchool</a:t>
-            </a:r>
-            <a:r>
-              <a:rPr lang="en-US" dirty="0"/>
-              <a:t> community</a:t>
+              <a:t>Smaller Accounting community</a:t>
             </a:r>
           </a:p>
           <a:p>
@@ -17327,7 +17513,7 @@
         <p:spPr>
           <a:xfrm>
             <a:off x="8470604" y="3028880"/>
-            <a:ext cx="3719544" cy="2585323"/>
+            <a:ext cx="3719544" cy="2308324"/>
           </a:xfrm>
           <a:prstGeom prst="rect">
             <a:avLst/>
@@ -17386,7 +17572,7 @@
             </a:pPr>
             <a:r>
               <a:rPr lang="en-US" dirty="0"/>
-              <a:t>Tough licensing costs</a:t>
+              <a:t>Costly licensing</a:t>
             </a:r>
           </a:p>
           <a:p>
@@ -17406,7 +17592,7 @@
             </a:pPr>
             <a:r>
               <a:rPr lang="en-US" dirty="0"/>
-              <a:t>Good for coauthors and learning examples</a:t>
+              <a:t>Larger Accounting community</a:t>
             </a:r>
           </a:p>
           <a:p>
@@ -17583,13 +17769,6 @@
               <a:t>Can still use Dropbox for data, etc.</a:t>
             </a:r>
           </a:p>
-          <a:p>
-            <a:pPr lvl="1"/>
-            <a:r>
-              <a:rPr lang="en-US" dirty="0"/>
-              <a:t>Maybe code too, if careful</a:t>
-            </a:r>
-          </a:p>
         </p:txBody>
       </p:sp>
       <p:sp>
@@ -17694,7 +17873,7 @@
           <a:p>
             <a:r>
               <a:rPr lang="en-US" dirty="0"/>
-              <a:t>Git is built in to some IDEs not others</a:t>
+              <a:t>Git is built-in to some IDEs not others</a:t>
             </a:r>
           </a:p>
           <a:p>
@@ -17812,7 +17991,7 @@
             <p:ph idx="1"/>
             <p:extLst>
               <p:ext uri="{D42A27DB-BD31-4B8C-83A1-F6EECF244321}">
-                <p14:modId xmlns:p14="http://schemas.microsoft.com/office/powerpoint/2010/main" val="309054297"/>
+                <p14:modId xmlns:p14="http://schemas.microsoft.com/office/powerpoint/2010/main" val="279062821"/>
               </p:ext>
             </p:extLst>
           </p:nvPr>
@@ -18027,7 +18206,15 @@
             </a:r>
             <a:r>
               <a:rPr lang="en-US" dirty="0"/>
-              <a:t>Pull down the latest changes from the repository (“remote”) to your machine. Pull = download.</a:t>
+              <a:t>Pull down the latest changes from the </a:t>
+            </a:r>
+            <a:r>
+              <a:rPr lang="en-US" dirty="0" err="1"/>
+              <a:t>github</a:t>
+            </a:r>
+            <a:r>
+              <a:rPr lang="en-US" dirty="0"/>
+              <a:t> repository (“remote”) to your machine. Pull = download.</a:t>
             </a:r>
           </a:p>
           <a:p>
@@ -18152,7 +18339,7 @@
         </p:nvSpPr>
         <p:spPr>
           <a:xfrm>
-            <a:off x="2101850" y="5987534"/>
+            <a:off x="228603" y="138996"/>
             <a:ext cx="6108700" cy="646331"/>
           </a:xfrm>
           <a:prstGeom prst="rect">
@@ -18567,7 +18754,7 @@
           <p:cNvPr id="2" name="Title 1">
             <a:extLst>
               <a:ext uri="{FF2B5EF4-FFF2-40B4-BE49-F238E27FC236}">
-                <a16:creationId xmlns:a16="http://schemas.microsoft.com/office/drawing/2014/main" id="{B63F6A0C-1349-DB41-509C-6D171A71FE43}"/>
+                <a16:creationId xmlns:a16="http://schemas.microsoft.com/office/drawing/2014/main" id="{D8BFB5ED-6A90-0609-57DC-03EDA8817026}"/>
               </a:ext>
             </a:extLst>
           </p:cNvPr>
@@ -18576,40 +18763,12 @@
           </p:cNvSpPr>
           <p:nvPr>
             <p:ph type="title"/>
-          </p:nvPr>
-        </p:nvSpPr>
-        <p:spPr/>
-        <p:txBody>
-          <a:bodyPr/>
-          <a:lstStyle/>
-          <a:p>
-            <a:r>
-              <a:rPr lang="en-US" dirty="0"/>
-              <a:t>A few more R packages to highlight</a:t>
-            </a:r>
-          </a:p>
-        </p:txBody>
-      </p:sp>
-      <p:sp>
-        <p:nvSpPr>
-          <p:cNvPr id="3" name="Content Placeholder 2">
-            <a:extLst>
-              <a:ext uri="{FF2B5EF4-FFF2-40B4-BE49-F238E27FC236}">
-                <a16:creationId xmlns:a16="http://schemas.microsoft.com/office/drawing/2014/main" id="{6C5021A0-9281-DE09-CC46-FBF6B5BBC2BD}"/>
-              </a:ext>
-            </a:extLst>
-          </p:cNvPr>
-          <p:cNvSpPr>
-            <a:spLocks noGrp="1"/>
-          </p:cNvSpPr>
-          <p:nvPr>
-            <p:ph idx="1"/>
           </p:nvPr>
         </p:nvSpPr>
         <p:spPr>
           <a:xfrm>
-            <a:off x="314848" y="2101851"/>
-            <a:ext cx="10058400" cy="3760891"/>
+            <a:off x="1097280" y="286603"/>
+            <a:ext cx="11050270" cy="1450757"/>
           </a:xfrm>
         </p:spPr>
         <p:txBody>
@@ -18619,75 +18778,138 @@
           <a:lstStyle/>
           <a:p>
             <a:r>
-              <a:rPr lang="en-US" sz="2800" dirty="0" err="1"/>
-              <a:t>Rpostgres</a:t>
-            </a:r>
-            <a:r>
-              <a:rPr lang="en-US" sz="2800" dirty="0"/>
-              <a:t> / DBI : interface with remote databases</a:t>
-            </a:r>
-          </a:p>
-          <a:p>
-            <a:r>
-              <a:rPr lang="en-US" sz="2800" dirty="0"/>
-              <a:t>Haven : Read and write SAS and Stata data</a:t>
-            </a:r>
-          </a:p>
-          <a:p>
-            <a:r>
-              <a:rPr lang="en-US" sz="2800" dirty="0" err="1"/>
-              <a:t>fixest</a:t>
-            </a:r>
-            <a:r>
-              <a:rPr lang="en-US" sz="2800" dirty="0"/>
-              <a:t> or </a:t>
-            </a:r>
-            <a:r>
-              <a:rPr lang="en-US" sz="2800" dirty="0" err="1"/>
-              <a:t>lfe</a:t>
-            </a:r>
-            <a:r>
-              <a:rPr lang="en-US" sz="2800" dirty="0"/>
-              <a:t> : R equivalents of the </a:t>
-            </a:r>
-            <a:r>
-              <a:rPr lang="en-US" sz="2800" dirty="0" err="1"/>
-              <a:t>reghdfe</a:t>
-            </a:r>
-            <a:r>
-              <a:rPr lang="en-US" sz="2800" dirty="0"/>
-              <a:t> package in Stata</a:t>
-            </a:r>
-          </a:p>
-          <a:p>
-            <a:r>
-              <a:rPr lang="en-US" sz="2800" dirty="0"/>
-              <a:t>Broom : very useful for extracting output from a regression / model</a:t>
-            </a:r>
-          </a:p>
-          <a:p>
-            <a:r>
-              <a:rPr lang="en-US" sz="2800" dirty="0"/>
-              <a:t>Zoo and </a:t>
-            </a:r>
-            <a:r>
-              <a:rPr lang="en-US" sz="2800" dirty="0" err="1"/>
-              <a:t>tsibble</a:t>
-            </a:r>
-            <a:r>
-              <a:rPr lang="en-US" sz="2800" dirty="0"/>
-              <a:t>: packages for time series data</a:t>
-            </a:r>
-          </a:p>
-          <a:p>
-            <a:endParaRPr lang="en-US" sz="2800" dirty="0"/>
+              <a:rPr lang="en-US" sz="4000" dirty="0"/>
+              <a:t>Getting started with R</a:t>
+            </a:r>
+          </a:p>
+        </p:txBody>
+      </p:sp>
+      <p:pic>
+        <p:nvPicPr>
+          <p:cNvPr id="8" name="Picture 7">
+            <a:extLst>
+              <a:ext uri="{FF2B5EF4-FFF2-40B4-BE49-F238E27FC236}">
+                <a16:creationId xmlns:a16="http://schemas.microsoft.com/office/drawing/2014/main" id="{3AB5E9B4-2C61-0200-4519-39A64EACA188}"/>
+              </a:ext>
+            </a:extLst>
+          </p:cNvPr>
+          <p:cNvPicPr>
+            <a:picLocks noChangeAspect="1"/>
+          </p:cNvPicPr>
+          <p:nvPr/>
+        </p:nvPicPr>
+        <p:blipFill>
+          <a:blip r:embed="rId2">
+            <a:extLst>
+              <a:ext uri="{28A0092B-C50C-407E-A947-70E740481C1C}">
+                <a14:useLocalDpi xmlns:a14="http://schemas.microsoft.com/office/drawing/2010/main" val="0"/>
+              </a:ext>
+            </a:extLst>
+          </a:blip>
+          <a:stretch>
+            <a:fillRect/>
+          </a:stretch>
+        </p:blipFill>
+        <p:spPr>
+          <a:xfrm>
+            <a:off x="9469582" y="6172200"/>
+            <a:ext cx="2722418" cy="685800"/>
+          </a:xfrm>
+          <a:prstGeom prst="rect">
+            <a:avLst/>
+          </a:prstGeom>
+        </p:spPr>
+      </p:pic>
+      <p:sp>
+        <p:nvSpPr>
+          <p:cNvPr id="4" name="Content Placeholder 3">
+            <a:extLst>
+              <a:ext uri="{FF2B5EF4-FFF2-40B4-BE49-F238E27FC236}">
+                <a16:creationId xmlns:a16="http://schemas.microsoft.com/office/drawing/2014/main" id="{D3C2A65C-00E6-E308-21E2-5582B6377EAC}"/>
+              </a:ext>
+            </a:extLst>
+          </p:cNvPr>
+          <p:cNvSpPr>
+            <a:spLocks noGrp="1"/>
+          </p:cNvSpPr>
+          <p:nvPr>
+            <p:ph idx="1"/>
+          </p:nvPr>
+        </p:nvSpPr>
+        <p:spPr>
+          <a:xfrm>
+            <a:off x="79375" y="1837951"/>
+            <a:ext cx="12033250" cy="4677149"/>
+          </a:xfrm>
+        </p:spPr>
+        <p:txBody>
+          <a:bodyPr>
+            <a:normAutofit/>
+          </a:bodyPr>
+          <a:lstStyle/>
+          <a:p>
+            <a:r>
+              <a:rPr lang="en-US" b="1" dirty="0"/>
+              <a:t>Empirical Research In Accounting: </a:t>
+            </a:r>
+            <a:r>
+              <a:rPr lang="en-US" dirty="0"/>
+              <a:t>great book with R and research-related examples: </a:t>
+            </a:r>
+            <a:r>
+              <a:rPr lang="en-US" dirty="0">
+                <a:hlinkClick r:id="rId3"/>
+              </a:rPr>
+              <a:t>https://iangow.github.io/far_book/</a:t>
+            </a:r>
+            <a:endParaRPr lang="en-US" sz="1500" dirty="0"/>
+          </a:p>
+          <a:p>
+            <a:r>
+              <a:rPr lang="en-US" b="1" dirty="0"/>
+              <a:t>Open Source Asset Pricing:  </a:t>
+            </a:r>
+            <a:r>
+              <a:rPr lang="en-US" dirty="0"/>
+              <a:t>Finance-focused, but several useful asset pricing examples and datasets in both R and Stata </a:t>
+            </a:r>
+            <a:r>
+              <a:rPr lang="en-US" dirty="0">
+                <a:hlinkClick r:id="rId4"/>
+              </a:rPr>
+              <a:t>https://www.openassetpricing.com/</a:t>
+            </a:r>
+            <a:r>
+              <a:rPr lang="en-US" dirty="0"/>
+              <a:t> </a:t>
+            </a:r>
+          </a:p>
+          <a:p>
+            <a:r>
+              <a:rPr lang="en-US" b="1" dirty="0"/>
+              <a:t>Forecasting: Principles and Practices: </a:t>
+            </a:r>
+            <a:r>
+              <a:rPr lang="en-US" dirty="0"/>
+              <a:t>Open-source book for general (time-series) forecasting in R </a:t>
+            </a:r>
+            <a:r>
+              <a:rPr lang="en-US" dirty="0">
+                <a:hlinkClick r:id="rId5"/>
+              </a:rPr>
+              <a:t>https://otexts.com/fpp3/</a:t>
+            </a:r>
+            <a:r>
+              <a:rPr lang="en-US" dirty="0"/>
+              <a:t>   </a:t>
+            </a:r>
           </a:p>
         </p:txBody>
       </p:sp>
     </p:spTree>
     <p:extLst>
       <p:ext uri="{BB962C8B-B14F-4D97-AF65-F5344CB8AC3E}">
-        <p14:creationId xmlns:p14="http://schemas.microsoft.com/office/powerpoint/2010/main" val="3715599454"/>
+        <p14:creationId xmlns:p14="http://schemas.microsoft.com/office/powerpoint/2010/main" val="156669193"/>
       </p:ext>
     </p:extLst>
   </p:cSld>
@@ -18719,7 +18941,7 @@
           <p:cNvPr id="2" name="Title 1">
             <a:extLst>
               <a:ext uri="{FF2B5EF4-FFF2-40B4-BE49-F238E27FC236}">
-                <a16:creationId xmlns:a16="http://schemas.microsoft.com/office/drawing/2014/main" id="{5DDFE902-1A5D-FC9D-8128-2DACEA9F1850}"/>
+                <a16:creationId xmlns:a16="http://schemas.microsoft.com/office/drawing/2014/main" id="{B63F6A0C-1349-DB41-509C-6D171A71FE43}"/>
               </a:ext>
             </a:extLst>
           </p:cNvPr>
@@ -18737,150 +18959,125 @@
           <a:p>
             <a:r>
               <a:rPr lang="en-US" dirty="0"/>
-              <a:t>Advanced Rabbit Holes</a:t>
-            </a:r>
-          </a:p>
-        </p:txBody>
-      </p:sp>
-      <p:pic>
-        <p:nvPicPr>
-          <p:cNvPr id="7170" name="Picture 2" descr="apply lapply rapply sapply functions in R | R-bloggers">
+              <a:t>A few more R packages to highlight</a:t>
+            </a:r>
+          </a:p>
+        </p:txBody>
+      </p:sp>
+      <p:sp>
+        <p:nvSpPr>
+          <p:cNvPr id="3" name="Content Placeholder 2">
             <a:extLst>
               <a:ext uri="{FF2B5EF4-FFF2-40B4-BE49-F238E27FC236}">
-                <a16:creationId xmlns:a16="http://schemas.microsoft.com/office/drawing/2014/main" id="{26BE7F57-F2E4-BB62-48E8-C1292F9EB8BF}"/>
+                <a16:creationId xmlns:a16="http://schemas.microsoft.com/office/drawing/2014/main" id="{6C5021A0-9281-DE09-CC46-FBF6B5BBC2BD}"/>
               </a:ext>
             </a:extLst>
           </p:cNvPr>
-          <p:cNvPicPr>
-            <a:picLocks noChangeAspect="1" noChangeArrowheads="1"/>
-          </p:cNvPicPr>
-          <p:nvPr/>
-        </p:nvPicPr>
-        <p:blipFill>
-          <a:blip r:embed="rId2">
-            <a:extLst>
-              <a:ext uri="{28A0092B-C50C-407E-A947-70E740481C1C}">
-                <a14:useLocalDpi xmlns:a14="http://schemas.microsoft.com/office/drawing/2010/main" val="0"/>
-              </a:ext>
-            </a:extLst>
-          </a:blip>
-          <a:srcRect/>
-          <a:stretch>
-            <a:fillRect/>
-          </a:stretch>
-        </p:blipFill>
-        <p:spPr bwMode="auto">
-          <a:xfrm>
-            <a:off x="1822450" y="2049463"/>
-            <a:ext cx="3048000" cy="2581275"/>
-          </a:xfrm>
-          <a:prstGeom prst="rect">
-            <a:avLst/>
-          </a:prstGeom>
-          <a:noFill/>
-          <a:extLst>
-            <a:ext uri="{909E8E84-426E-40DD-AFC4-6F175D3DCCD1}">
-              <a14:hiddenFill xmlns:a14="http://schemas.microsoft.com/office/drawing/2010/main">
-                <a:solidFill>
-                  <a:srgbClr val="FFFFFF"/>
-                </a:solidFill>
-              </a14:hiddenFill>
-            </a:ext>
-          </a:extLst>
-        </p:spPr>
-      </p:pic>
-      <p:sp>
-        <p:nvSpPr>
-          <p:cNvPr id="5" name="TextBox 4">
-            <a:extLst>
-              <a:ext uri="{FF2B5EF4-FFF2-40B4-BE49-F238E27FC236}">
-                <a16:creationId xmlns:a16="http://schemas.microsoft.com/office/drawing/2014/main" id="{E0D11735-F181-3276-1DB9-75A62EC87835}"/>
-              </a:ext>
-            </a:extLst>
-          </p:cNvPr>
-          <p:cNvSpPr txBox="1"/>
-          <p:nvPr/>
+          <p:cNvSpPr>
+            <a:spLocks noGrp="1"/>
+          </p:cNvSpPr>
+          <p:nvPr>
+            <p:ph idx="1"/>
+          </p:nvPr>
         </p:nvSpPr>
         <p:spPr>
           <a:xfrm>
-            <a:off x="1346200" y="5473184"/>
-            <a:ext cx="6096000" cy="646331"/>
+            <a:off x="314848" y="2101851"/>
+            <a:ext cx="11092518" cy="4469546"/>
           </a:xfrm>
-          <a:prstGeom prst="rect">
-            <a:avLst/>
-          </a:prstGeom>
-          <a:noFill/>
         </p:spPr>
         <p:txBody>
-          <a:bodyPr wrap="square">
-            <a:spAutoFit/>
+          <a:bodyPr>
+            <a:normAutofit/>
           </a:bodyPr>
           <a:lstStyle/>
           <a:p>
             <a:r>
-              <a:rPr lang="en-US" dirty="0">
-                <a:hlinkClick r:id="rId3"/>
-              </a:rPr>
-              <a:t>http://adv-r.had.co.nz/Functionals.html</a:t>
-            </a:r>
-            <a:endParaRPr lang="en-US" dirty="0"/>
-          </a:p>
-          <a:p>
-            <a:endParaRPr lang="en-US" dirty="0"/>
-          </a:p>
-        </p:txBody>
-      </p:sp>
-      <p:pic>
-        <p:nvPicPr>
-          <p:cNvPr id="7172" name="Picture 4" descr="purrr - Roshan Talimi">
-            <a:extLst>
-              <a:ext uri="{FF2B5EF4-FFF2-40B4-BE49-F238E27FC236}">
-                <a16:creationId xmlns:a16="http://schemas.microsoft.com/office/drawing/2014/main" id="{A5C13846-E795-81D2-D35C-2C02136F8CF3}"/>
-              </a:ext>
-            </a:extLst>
-          </p:cNvPr>
-          <p:cNvPicPr>
-            <a:picLocks noChangeAspect="1" noChangeArrowheads="1"/>
-          </p:cNvPicPr>
-          <p:nvPr/>
-        </p:nvPicPr>
-        <p:blipFill>
-          <a:blip r:embed="rId4">
-            <a:extLst>
-              <a:ext uri="{28A0092B-C50C-407E-A947-70E740481C1C}">
-                <a14:useLocalDpi xmlns:a14="http://schemas.microsoft.com/office/drawing/2010/main" val="0"/>
-              </a:ext>
-            </a:extLst>
-          </a:blip>
-          <a:srcRect/>
-          <a:stretch>
-            <a:fillRect/>
-          </a:stretch>
-        </p:blipFill>
-        <p:spPr bwMode="auto">
-          <a:xfrm>
-            <a:off x="6921502" y="2017071"/>
-            <a:ext cx="4338638" cy="4554326"/>
-          </a:xfrm>
-          <a:prstGeom prst="rect">
-            <a:avLst/>
-          </a:prstGeom>
-          <a:noFill/>
-          <a:extLst>
-            <a:ext uri="{909E8E84-426E-40DD-AFC4-6F175D3DCCD1}">
-              <a14:hiddenFill xmlns:a14="http://schemas.microsoft.com/office/drawing/2010/main">
-                <a:solidFill>
-                  <a:srgbClr val="FFFFFF"/>
-                </a:solidFill>
-              </a14:hiddenFill>
-            </a:ext>
-          </a:extLst>
-        </p:spPr>
-      </p:pic>
+              <a:rPr lang="en-US" sz="2800" dirty="0" err="1"/>
+              <a:t>Rpostgres</a:t>
+            </a:r>
+            <a:r>
+              <a:rPr lang="en-US" sz="2800" dirty="0"/>
+              <a:t> / DBI: interface with remote databases</a:t>
+            </a:r>
+          </a:p>
+          <a:p>
+            <a:r>
+              <a:rPr lang="en-US" sz="2800" dirty="0"/>
+              <a:t>Haven: Read and write SAS and Stata data</a:t>
+            </a:r>
+          </a:p>
+          <a:p>
+            <a:r>
+              <a:rPr lang="en-US" sz="2800" dirty="0" err="1"/>
+              <a:t>fixest</a:t>
+            </a:r>
+            <a:r>
+              <a:rPr lang="en-US" sz="2800" dirty="0"/>
+              <a:t> or </a:t>
+            </a:r>
+            <a:r>
+              <a:rPr lang="en-US" sz="2800" dirty="0" err="1"/>
+              <a:t>lfe</a:t>
+            </a:r>
+            <a:r>
+              <a:rPr lang="en-US" sz="2800" dirty="0"/>
+              <a:t>: R equivalents of the </a:t>
+            </a:r>
+            <a:r>
+              <a:rPr lang="en-US" sz="2800" dirty="0" err="1"/>
+              <a:t>reghdfe</a:t>
+            </a:r>
+            <a:r>
+              <a:rPr lang="en-US" sz="2800" dirty="0"/>
+              <a:t> package in Stata</a:t>
+            </a:r>
+          </a:p>
+          <a:p>
+            <a:r>
+              <a:rPr lang="en-US" sz="2800" dirty="0"/>
+              <a:t>Broom: very useful for extracting output from a regression / model</a:t>
+            </a:r>
+          </a:p>
+          <a:p>
+            <a:r>
+              <a:rPr lang="en-US" sz="2800" dirty="0" err="1"/>
+              <a:t>Modelsummary</a:t>
+            </a:r>
+            <a:r>
+              <a:rPr lang="en-US" sz="2800" dirty="0"/>
+              <a:t>: format output tables for publication</a:t>
+            </a:r>
+          </a:p>
+          <a:p>
+            <a:r>
+              <a:rPr lang="en-US" sz="2800" dirty="0"/>
+              <a:t>Officer: interface R with Microsoft Office</a:t>
+            </a:r>
+          </a:p>
+          <a:p>
+            <a:r>
+              <a:rPr lang="en-US" sz="2800" dirty="0"/>
+              <a:t>Zoo/fable/</a:t>
+            </a:r>
+            <a:r>
+              <a:rPr lang="en-US" sz="2800" dirty="0" err="1"/>
+              <a:t>tsibble</a:t>
+            </a:r>
+            <a:r>
+              <a:rPr lang="en-US" sz="2800" dirty="0"/>
+              <a:t>: packages for time series data</a:t>
+            </a:r>
+          </a:p>
+          <a:p>
+            <a:endParaRPr lang="en-US" sz="2800" dirty="0"/>
+          </a:p>
+        </p:txBody>
+      </p:sp>
     </p:spTree>
     <p:extLst>
       <p:ext uri="{BB962C8B-B14F-4D97-AF65-F5344CB8AC3E}">
-        <p14:creationId xmlns:p14="http://schemas.microsoft.com/office/powerpoint/2010/main" val="2409486705"/>
+        <p14:creationId xmlns:p14="http://schemas.microsoft.com/office/powerpoint/2010/main" val="3715599454"/>
       </p:ext>
     </p:extLst>
   </p:cSld>
@@ -20045,15 +20242,6 @@
 </file>
 
 <file path=customXml/item1.xml><?xml version="1.0" encoding="utf-8"?>
-<?mso-contentType ?>
-<FormTemplates xmlns="http://schemas.microsoft.com/sharepoint/v3/contenttype/forms">
-  <Display>DocumentLibraryForm</Display>
-  <Edit>DocumentLibraryForm</Edit>
-  <New>DocumentLibraryForm</New>
-</FormTemplates>
-</file>
-
-<file path=customXml/item2.xml><?xml version="1.0" encoding="utf-8"?>
 <ct:contentTypeSchema xmlns:ct="http://schemas.microsoft.com/office/2006/metadata/contentType" xmlns:ma="http://schemas.microsoft.com/office/2006/metadata/properties/metaAttributes" ct:_="" ma:_="" ma:contentTypeName="Document" ma:contentTypeID="0x01010079F111ED35F8CC479449609E8A0923A6" ma:contentTypeVersion="12" ma:contentTypeDescription="Create a new document." ma:contentTypeScope="" ma:versionID="fa6e671f1cd7e4d96ff9652be322dd5e">
   <xsd:schema xmlns:xsd="http://www.w3.org/2001/XMLSchema" xmlns:xs="http://www.w3.org/2001/XMLSchema" xmlns:p="http://schemas.microsoft.com/office/2006/metadata/properties" xmlns:ns2="71af3243-3dd4-4a8d-8c0d-dd76da1f02a5" xmlns:ns3="16c05727-aa75-4e4a-9b5f-8a80a1165891" targetNamespace="http://schemas.microsoft.com/office/2006/metadata/properties" ma:root="true" ma:fieldsID="4e2496f70b101db0b8013f30a071bbf7" ns2:_="" ns3:_="">
     <xsd:import namespace="71af3243-3dd4-4a8d-8c0d-dd76da1f02a5"/>
@@ -20274,6 +20462,15 @@
 </ct:contentTypeSchema>
 </file>
 
+<file path=customXml/item2.xml><?xml version="1.0" encoding="utf-8"?>
+<?mso-contentType ?>
+<FormTemplates xmlns="http://schemas.microsoft.com/sharepoint/v3/contenttype/forms">
+  <Display>DocumentLibraryForm</Display>
+  <Edit>DocumentLibraryForm</Edit>
+  <New>DocumentLibraryForm</New>
+</FormTemplates>
+</file>
+
 <file path=customXml/item3.xml><?xml version="1.0" encoding="utf-8"?>
 <p:properties xmlns:p="http://schemas.microsoft.com/office/2006/metadata/properties" xmlns:xsi="http://www.w3.org/2001/XMLSchema-instance" xmlns:pc="http://schemas.microsoft.com/office/infopath/2007/PartnerControls">
   <documentManagement>
@@ -20284,14 +20481,6 @@
 </file>
 
 <file path=customXml/itemProps1.xml><?xml version="1.0" encoding="utf-8"?>
-<ds:datastoreItem xmlns:ds="http://schemas.openxmlformats.org/officeDocument/2006/customXml" ds:itemID="{7E0A2CB4-6869-426F-8BC4-A32C90CBE263}">
-  <ds:schemaRefs>
-    <ds:schemaRef ds:uri="http://schemas.microsoft.com/sharepoint/v3/contenttype/forms"/>
-  </ds:schemaRefs>
-</ds:datastoreItem>
-</file>
-
-<file path=customXml/itemProps2.xml><?xml version="1.0" encoding="utf-8"?>
 <ds:datastoreItem xmlns:ds="http://schemas.openxmlformats.org/officeDocument/2006/customXml" ds:itemID="{A941CA7C-A0BF-44EF-B2E5-7539C3B9B0B6}">
   <ds:schemaRefs>
     <ds:schemaRef ds:uri="http://schemas.microsoft.com/office/2006/metadata/contentType"/>
@@ -20310,6 +20499,14 @@
 </ds:datastoreItem>
 </file>
 
+<file path=customXml/itemProps2.xml><?xml version="1.0" encoding="utf-8"?>
+<ds:datastoreItem xmlns:ds="http://schemas.openxmlformats.org/officeDocument/2006/customXml" ds:itemID="{7E0A2CB4-6869-426F-8BC4-A32C90CBE263}">
+  <ds:schemaRefs>
+    <ds:schemaRef ds:uri="http://schemas.microsoft.com/sharepoint/v3/contenttype/forms"/>
+  </ds:schemaRefs>
+</ds:datastoreItem>
+</file>
+
 <file path=customXml/itemProps3.xml><?xml version="1.0" encoding="utf-8"?>
 <ds:datastoreItem xmlns:ds="http://schemas.openxmlformats.org/officeDocument/2006/customXml" ds:itemID="{A4E879E6-8FFE-4154-8F2A-F7518B89B376}">
   <ds:schemaRefs>
